--- a/2-stack.pptx
+++ b/2-stack.pptx
@@ -10,6 +10,7 @@
     <p:sldId id="258" r:id="rId4"/>
     <p:sldId id="260" r:id="rId5"/>
     <p:sldId id="259" r:id="rId6"/>
+    <p:sldId id="261" r:id="rId7"/>
   </p:sldIdLst>
   <p:sldSz cx="12192000" cy="6858000"/>
   <p:notesSz cx="6858000" cy="9144000"/>
@@ -8241,7 +8242,7 @@
           <a:graphicData uri="http://schemas.openxmlformats.org/presentationml/2006/ole">
             <mc:AlternateContent xmlns:mc="http://schemas.openxmlformats.org/markup-compatibility/2006">
               <mc:Choice xmlns:v="urn:schemas-microsoft-com:vml" Requires="v">
-                <p:oleObj spid="_x0000_s1029" name="Acrobat Document" r:id="rId3" imgW="18106875" imgH="78466638" progId="AcroExch.Document.DC">
+                <p:oleObj spid="_x0000_s1030" name="Acrobat Document" r:id="rId3" imgW="18106875" imgH="78466638" progId="AcroExch.Document.DC">
                   <p:embed/>
                 </p:oleObj>
               </mc:Choice>
@@ -8293,6 +8294,85 @@
       </p:par>
     </p:tnLst>
   </p:timing>
+</p:sld>
+</file>
+
+<file path=ppt/slides/slide6.xml><?xml version="1.0" encoding="utf-8"?>
+<p:sld xmlns:a="http://schemas.openxmlformats.org/drawingml/2006/main" xmlns:r="http://schemas.openxmlformats.org/officeDocument/2006/relationships" xmlns:p="http://schemas.openxmlformats.org/presentationml/2006/main">
+  <p:cSld>
+    <p:spTree>
+      <p:nvGrpSpPr>
+        <p:cNvPr id="1" name=""/>
+        <p:cNvGrpSpPr/>
+        <p:nvPr/>
+      </p:nvGrpSpPr>
+      <p:grpSpPr>
+        <a:xfrm>
+          <a:off x="0" y="0"/>
+          <a:ext cx="0" cy="0"/>
+          <a:chOff x="0" y="0"/>
+          <a:chExt cx="0" cy="0"/>
+        </a:xfrm>
+      </p:grpSpPr>
+      <p:sp>
+        <p:nvSpPr>
+          <p:cNvPr id="2" name="Title 1"/>
+          <p:cNvSpPr>
+            <a:spLocks noGrp="1"/>
+          </p:cNvSpPr>
+          <p:nvPr>
+            <p:ph type="title"/>
+          </p:nvPr>
+        </p:nvSpPr>
+        <p:spPr/>
+        <p:txBody>
+          <a:bodyPr/>
+          <a:lstStyle/>
+          <a:p>
+            <a:r>
+              <a:rPr lang="en-US" dirty="0" err="1" smtClean="0"/>
+              <a:t>Github</a:t>
+            </a:r>
+            <a:r>
+              <a:rPr lang="en-US" dirty="0" smtClean="0"/>
+              <a:t>	</a:t>
+            </a:r>
+            <a:endParaRPr lang="ro-RO" dirty="0"/>
+          </a:p>
+        </p:txBody>
+      </p:sp>
+      <p:sp>
+        <p:nvSpPr>
+          <p:cNvPr id="3" name="Content Placeholder 2"/>
+          <p:cNvSpPr>
+            <a:spLocks noGrp="1"/>
+          </p:cNvSpPr>
+          <p:nvPr>
+            <p:ph idx="1"/>
+          </p:nvPr>
+        </p:nvSpPr>
+        <p:spPr/>
+        <p:txBody>
+          <a:bodyPr/>
+          <a:lstStyle/>
+          <a:p>
+            <a:r>
+              <a:rPr lang="ro-RO"/>
+              <a:t>https://github.com/Lucky13forever/Two-Stack-Algorithm</a:t>
+            </a:r>
+          </a:p>
+        </p:txBody>
+      </p:sp>
+    </p:spTree>
+    <p:extLst>
+      <p:ext uri="{BB962C8B-B14F-4D97-AF65-F5344CB8AC3E}">
+        <p14:creationId xmlns:p14="http://schemas.microsoft.com/office/powerpoint/2010/main" val="3469803530"/>
+      </p:ext>
+    </p:extLst>
+  </p:cSld>
+  <p:clrMapOvr>
+    <a:masterClrMapping/>
+  </p:clrMapOvr>
 </p:sld>
 </file>
 

--- a/2-stack.pptx
+++ b/2-stack.pptx
@@ -402,7 +402,7 @@
           <a:p>
             <a:fld id="{13E25942-F3C2-48BC-8E69-16E9B9747F9E}" type="datetimeFigureOut">
               <a:rPr lang="ro-RO" smtClean="0"/>
-              <a:t>04.03.2022</a:t>
+              <a:t>05.03.2022</a:t>
             </a:fld>
             <a:endParaRPr lang="ro-RO"/>
           </a:p>
@@ -816,7 +816,7 @@
           <a:p>
             <a:fld id="{13E25942-F3C2-48BC-8E69-16E9B9747F9E}" type="datetimeFigureOut">
               <a:rPr lang="ro-RO" smtClean="0"/>
-              <a:t>04.03.2022</a:t>
+              <a:t>05.03.2022</a:t>
             </a:fld>
             <a:endParaRPr lang="ro-RO"/>
           </a:p>
@@ -1152,7 +1152,7 @@
           <a:p>
             <a:fld id="{13E25942-F3C2-48BC-8E69-16E9B9747F9E}" type="datetimeFigureOut">
               <a:rPr lang="ro-RO" smtClean="0"/>
-              <a:t>04.03.2022</a:t>
+              <a:t>05.03.2022</a:t>
             </a:fld>
             <a:endParaRPr lang="ro-RO"/>
           </a:p>
@@ -1557,7 +1557,7 @@
           <a:p>
             <a:fld id="{13E25942-F3C2-48BC-8E69-16E9B9747F9E}" type="datetimeFigureOut">
               <a:rPr lang="ro-RO" smtClean="0"/>
-              <a:t>04.03.2022</a:t>
+              <a:t>05.03.2022</a:t>
             </a:fld>
             <a:endParaRPr lang="ro-RO"/>
           </a:p>
@@ -2125,7 +2125,7 @@
           <a:p>
             <a:fld id="{13E25942-F3C2-48BC-8E69-16E9B9747F9E}" type="datetimeFigureOut">
               <a:rPr lang="ro-RO" smtClean="0"/>
-              <a:t>04.03.2022</a:t>
+              <a:t>05.03.2022</a:t>
             </a:fld>
             <a:endParaRPr lang="ro-RO"/>
           </a:p>
@@ -2806,7 +2806,7 @@
           <a:p>
             <a:fld id="{13E25942-F3C2-48BC-8E69-16E9B9747F9E}" type="datetimeFigureOut">
               <a:rPr lang="ro-RO" smtClean="0"/>
-              <a:t>04.03.2022</a:t>
+              <a:t>05.03.2022</a:t>
             </a:fld>
             <a:endParaRPr lang="ro-RO"/>
           </a:p>
@@ -3719,7 +3719,7 @@
           <a:p>
             <a:fld id="{13E25942-F3C2-48BC-8E69-16E9B9747F9E}" type="datetimeFigureOut">
               <a:rPr lang="ro-RO" smtClean="0"/>
-              <a:t>04.03.2022</a:t>
+              <a:t>05.03.2022</a:t>
             </a:fld>
             <a:endParaRPr lang="ro-RO"/>
           </a:p>
@@ -4032,7 +4032,7 @@
           <a:p>
             <a:fld id="{13E25942-F3C2-48BC-8E69-16E9B9747F9E}" type="datetimeFigureOut">
               <a:rPr lang="ro-RO" smtClean="0"/>
-              <a:t>04.03.2022</a:t>
+              <a:t>05.03.2022</a:t>
             </a:fld>
             <a:endParaRPr lang="ro-RO"/>
           </a:p>
@@ -4296,7 +4296,7 @@
           <a:p>
             <a:fld id="{13E25942-F3C2-48BC-8E69-16E9B9747F9E}" type="datetimeFigureOut">
               <a:rPr lang="ro-RO" smtClean="0"/>
-              <a:t>04.03.2022</a:t>
+              <a:t>05.03.2022</a:t>
             </a:fld>
             <a:endParaRPr lang="ro-RO"/>
           </a:p>
@@ -4619,7 +4619,7 @@
           <a:p>
             <a:fld id="{13E25942-F3C2-48BC-8E69-16E9B9747F9E}" type="datetimeFigureOut">
               <a:rPr lang="ro-RO" smtClean="0"/>
-              <a:t>04.03.2022</a:t>
+              <a:t>05.03.2022</a:t>
             </a:fld>
             <a:endParaRPr lang="ro-RO"/>
           </a:p>
@@ -5008,7 +5008,7 @@
           <a:p>
             <a:fld id="{13E25942-F3C2-48BC-8E69-16E9B9747F9E}" type="datetimeFigureOut">
               <a:rPr lang="ro-RO" smtClean="0"/>
-              <a:t>04.03.2022</a:t>
+              <a:t>05.03.2022</a:t>
             </a:fld>
             <a:endParaRPr lang="ro-RO"/>
           </a:p>
@@ -5384,7 +5384,7 @@
           <a:p>
             <a:fld id="{13E25942-F3C2-48BC-8E69-16E9B9747F9E}" type="datetimeFigureOut">
               <a:rPr lang="ro-RO" smtClean="0"/>
-              <a:t>04.03.2022</a:t>
+              <a:t>05.03.2022</a:t>
             </a:fld>
             <a:endParaRPr lang="ro-RO"/>
           </a:p>
@@ -5890,7 +5890,7 @@
           <a:p>
             <a:fld id="{13E25942-F3C2-48BC-8E69-16E9B9747F9E}" type="datetimeFigureOut">
               <a:rPr lang="ro-RO" smtClean="0"/>
-              <a:t>04.03.2022</a:t>
+              <a:t>05.03.2022</a:t>
             </a:fld>
             <a:endParaRPr lang="ro-RO"/>
           </a:p>
@@ -6147,7 +6147,7 @@
           <a:p>
             <a:fld id="{13E25942-F3C2-48BC-8E69-16E9B9747F9E}" type="datetimeFigureOut">
               <a:rPr lang="ro-RO" smtClean="0"/>
-              <a:t>04.03.2022</a:t>
+              <a:t>05.03.2022</a:t>
             </a:fld>
             <a:endParaRPr lang="ro-RO"/>
           </a:p>
@@ -6310,7 +6310,7 @@
           <a:p>
             <a:fld id="{13E25942-F3C2-48BC-8E69-16E9B9747F9E}" type="datetimeFigureOut">
               <a:rPr lang="ro-RO" smtClean="0"/>
-              <a:t>04.03.2022</a:t>
+              <a:t>05.03.2022</a:t>
             </a:fld>
             <a:endParaRPr lang="ro-RO"/>
           </a:p>
@@ -6700,7 +6700,7 @@
           <a:p>
             <a:fld id="{13E25942-F3C2-48BC-8E69-16E9B9747F9E}" type="datetimeFigureOut">
               <a:rPr lang="ro-RO" smtClean="0"/>
-              <a:t>04.03.2022</a:t>
+              <a:t>05.03.2022</a:t>
             </a:fld>
             <a:endParaRPr lang="ro-RO"/>
           </a:p>
@@ -7109,7 +7109,7 @@
           <a:p>
             <a:fld id="{13E25942-F3C2-48BC-8E69-16E9B9747F9E}" type="datetimeFigureOut">
               <a:rPr lang="ro-RO" smtClean="0"/>
-              <a:t>04.03.2022</a:t>
+              <a:t>05.03.2022</a:t>
             </a:fld>
             <a:endParaRPr lang="ro-RO"/>
           </a:p>
@@ -7353,7 +7353,7 @@
           <a:p>
             <a:fld id="{13E25942-F3C2-48BC-8E69-16E9B9747F9E}" type="datetimeFigureOut">
               <a:rPr lang="ro-RO" smtClean="0"/>
-              <a:t>04.03.2022</a:t>
+              <a:t>05.03.2022</a:t>
             </a:fld>
             <a:endParaRPr lang="ro-RO"/>
           </a:p>
@@ -8242,7 +8242,7 @@
           <a:graphicData uri="http://schemas.openxmlformats.org/presentationml/2006/ole">
             <mc:AlternateContent xmlns:mc="http://schemas.openxmlformats.org/markup-compatibility/2006">
               <mc:Choice xmlns:v="urn:schemas-microsoft-com:vml" Requires="v">
-                <p:oleObj spid="_x0000_s1030" name="Acrobat Document" r:id="rId3" imgW="18106875" imgH="78466638" progId="AcroExch.Document.DC">
+                <p:oleObj spid="_x0000_s1031" name="Acrobat Document" r:id="rId3" imgW="18106875" imgH="78466638" progId="AcroExch.Document.DC">
                   <p:embed/>
                 </p:oleObj>
               </mc:Choice>
@@ -8357,8 +8357,26 @@
           <a:lstStyle/>
           <a:p>
             <a:r>
-              <a:rPr lang="ro-RO"/>
-              <a:t>https://github.com/Lucky13forever/Two-Stack-Algorithm</a:t>
+              <a:rPr lang="en-US" dirty="0" smtClean="0"/>
+              <a:t>For more tests, use the </a:t>
+            </a:r>
+            <a:r>
+              <a:rPr lang="en-US" smtClean="0"/>
+              <a:t>following link:</a:t>
+            </a:r>
+            <a:endParaRPr lang="en-US" dirty="0" smtClean="0"/>
+          </a:p>
+          <a:p>
+            <a:endParaRPr lang="en-US" dirty="0"/>
+          </a:p>
+          <a:p>
+            <a:r>
+              <a:rPr lang="ro-RO" dirty="0" smtClean="0"/>
+              <a:t>https</a:t>
+            </a:r>
+            <a:r>
+              <a:rPr lang="ro-RO" dirty="0"/>
+              <a:t>://github.com/Lucky13forever/Two-Stack-Algorithm</a:t>
             </a:r>
           </a:p>
         </p:txBody>
@@ -8373,6 +8391,13 @@
   <p:clrMapOvr>
     <a:masterClrMapping/>
   </p:clrMapOvr>
+  <p:timing>
+    <p:tnLst>
+      <p:par>
+        <p:cTn id="1" dur="indefinite" restart="never" nodeType="tmRoot"/>
+      </p:par>
+    </p:tnLst>
+  </p:timing>
 </p:sld>
 </file>
 
